--- a/Sprint1_IndustrialAutomation.pptx
+++ b/Sprint1_IndustrialAutomation.pptx
@@ -205,7 +205,7 @@
           <a:p>
             <a:fld id="{6F24A98C-1F94-6043-8418-9A4E82D55AA2}" type="datetimeFigureOut">
               <a:rPr lang="en-US" smtClean="0"/>
-              <a:t>10/9/23</a:t>
+              <a:t>10/10/23</a:t>
             </a:fld>
             <a:endParaRPr lang="en-US"/>
           </a:p>
@@ -703,7 +703,7 @@
           <a:p>
             <a:fld id="{74088042-48C7-004C-B4C0-322C9A0C0539}" type="datetimeFigureOut">
               <a:rPr lang="en-US" smtClean="0"/>
-              <a:t>10/9/23</a:t>
+              <a:t>10/10/23</a:t>
             </a:fld>
             <a:endParaRPr lang="en-US"/>
           </a:p>
@@ -901,7 +901,7 @@
           <a:p>
             <a:fld id="{74088042-48C7-004C-B4C0-322C9A0C0539}" type="datetimeFigureOut">
               <a:rPr lang="en-US" smtClean="0"/>
-              <a:t>10/9/23</a:t>
+              <a:t>10/10/23</a:t>
             </a:fld>
             <a:endParaRPr lang="en-US"/>
           </a:p>
@@ -1109,7 +1109,7 @@
           <a:p>
             <a:fld id="{74088042-48C7-004C-B4C0-322C9A0C0539}" type="datetimeFigureOut">
               <a:rPr lang="en-US" smtClean="0"/>
-              <a:t>10/9/23</a:t>
+              <a:t>10/10/23</a:t>
             </a:fld>
             <a:endParaRPr lang="en-US"/>
           </a:p>
@@ -1307,7 +1307,7 @@
           <a:p>
             <a:fld id="{74088042-48C7-004C-B4C0-322C9A0C0539}" type="datetimeFigureOut">
               <a:rPr lang="en-US" smtClean="0"/>
-              <a:t>10/9/23</a:t>
+              <a:t>10/10/23</a:t>
             </a:fld>
             <a:endParaRPr lang="en-US"/>
           </a:p>
@@ -1582,7 +1582,7 @@
           <a:p>
             <a:fld id="{74088042-48C7-004C-B4C0-322C9A0C0539}" type="datetimeFigureOut">
               <a:rPr lang="en-US" smtClean="0"/>
-              <a:t>10/9/23</a:t>
+              <a:t>10/10/23</a:t>
             </a:fld>
             <a:endParaRPr lang="en-US"/>
           </a:p>
@@ -1847,7 +1847,7 @@
           <a:p>
             <a:fld id="{74088042-48C7-004C-B4C0-322C9A0C0539}" type="datetimeFigureOut">
               <a:rPr lang="en-US" smtClean="0"/>
-              <a:t>10/9/23</a:t>
+              <a:t>10/10/23</a:t>
             </a:fld>
             <a:endParaRPr lang="en-US"/>
           </a:p>
@@ -2259,7 +2259,7 @@
           <a:p>
             <a:fld id="{74088042-48C7-004C-B4C0-322C9A0C0539}" type="datetimeFigureOut">
               <a:rPr lang="en-US" smtClean="0"/>
-              <a:t>10/9/23</a:t>
+              <a:t>10/10/23</a:t>
             </a:fld>
             <a:endParaRPr lang="en-US"/>
           </a:p>
@@ -2400,7 +2400,7 @@
           <a:p>
             <a:fld id="{74088042-48C7-004C-B4C0-322C9A0C0539}" type="datetimeFigureOut">
               <a:rPr lang="en-US" smtClean="0"/>
-              <a:t>10/9/23</a:t>
+              <a:t>10/10/23</a:t>
             </a:fld>
             <a:endParaRPr lang="en-US"/>
           </a:p>
@@ -2513,7 +2513,7 @@
           <a:p>
             <a:fld id="{74088042-48C7-004C-B4C0-322C9A0C0539}" type="datetimeFigureOut">
               <a:rPr lang="en-US" smtClean="0"/>
-              <a:t>10/9/23</a:t>
+              <a:t>10/10/23</a:t>
             </a:fld>
             <a:endParaRPr lang="en-US"/>
           </a:p>
@@ -2824,7 +2824,7 @@
           <a:p>
             <a:fld id="{74088042-48C7-004C-B4C0-322C9A0C0539}" type="datetimeFigureOut">
               <a:rPr lang="en-US" smtClean="0"/>
-              <a:t>10/9/23</a:t>
+              <a:t>10/10/23</a:t>
             </a:fld>
             <a:endParaRPr lang="en-US"/>
           </a:p>
@@ -3112,7 +3112,7 @@
           <a:p>
             <a:fld id="{74088042-48C7-004C-B4C0-322C9A0C0539}" type="datetimeFigureOut">
               <a:rPr lang="en-US" smtClean="0"/>
-              <a:t>10/9/23</a:t>
+              <a:t>10/10/23</a:t>
             </a:fld>
             <a:endParaRPr lang="en-US"/>
           </a:p>
@@ -3353,7 +3353,7 @@
           <a:p>
             <a:fld id="{74088042-48C7-004C-B4C0-322C9A0C0539}" type="datetimeFigureOut">
               <a:rPr lang="en-US" smtClean="0"/>
-              <a:t>10/9/23</a:t>
+              <a:t>10/10/23</a:t>
             </a:fld>
             <a:endParaRPr lang="en-US"/>
           </a:p>
@@ -4233,7 +4233,11 @@
           <a:lstStyle/>
           <a:p>
             <a:r>
-              <a:rPr lang="en-US" dirty="0"/>
+              <a:rPr lang="en-US" dirty="0">
+                <a:solidFill>
+                  <a:srgbClr val="FF0000"/>
+                </a:solidFill>
+              </a:rPr>
               <a:t>As an IT and Administrative Personnel, I want to have special dashboard access that gives me special permission to view or stop processes.</a:t>
             </a:r>
           </a:p>
@@ -4245,7 +4249,11 @@
           </a:p>
           <a:p>
             <a:r>
-              <a:rPr lang="en-US" dirty="0"/>
+              <a:rPr lang="en-US" dirty="0">
+                <a:solidFill>
+                  <a:srgbClr val="FF0000"/>
+                </a:solidFill>
+              </a:rPr>
               <a:t>As the maintenance group, I should be able to access detailed logs, in order to rectify the problem.</a:t>
             </a:r>
           </a:p>
